--- a/_SLIDES/H9 tot en met H17/H9 - Object Oriented Programming/3_accessmodifiers.pptx
+++ b/_SLIDES/H9 tot en met H17/H9 - Object Oriented Programming/3_accessmodifiers.pptx
@@ -206,7 +206,7 @@
           <a:p>
             <a:fld id="{27B546C4-13D6-4A86-931F-21F54C15E589}" type="datetimeFigureOut">
               <a:rPr lang="nl-BE" smtClean="0"/>
-              <a:t>16/05/2023</a:t>
+              <a:t>5/11/2023</a:t>
             </a:fld>
             <a:endParaRPr lang="nl-BE"/>
           </a:p>
@@ -729,7 +729,7 @@
           <a:p>
             <a:fld id="{54CFD280-CB3F-487B-80AE-61EB67CC80CF}" type="datetime1">
               <a:rPr lang="nl-BE" smtClean="0"/>
-              <a:t>16/05/2023</a:t>
+              <a:t>5/11/2023</a:t>
             </a:fld>
             <a:endParaRPr lang="nl-BE"/>
           </a:p>
@@ -973,7 +973,7 @@
           <a:p>
             <a:fld id="{A931F582-4F46-4A6C-AA7A-3C8C97F34BB7}" type="datetime1">
               <a:rPr lang="nl-BE" smtClean="0"/>
-              <a:t>16/05/2023</a:t>
+              <a:t>5/11/2023</a:t>
             </a:fld>
             <a:endParaRPr lang="nl-BE"/>
           </a:p>
@@ -1196,7 +1196,7 @@
           <a:p>
             <a:fld id="{6B338E43-F9A7-450F-BD92-C6DEAFCF7296}" type="datetime1">
               <a:rPr lang="nl-BE" smtClean="0"/>
-              <a:t>16/05/2023</a:t>
+              <a:t>5/11/2023</a:t>
             </a:fld>
             <a:endParaRPr lang="nl-BE"/>
           </a:p>
@@ -1440,7 +1440,7 @@
           <a:p>
             <a:fld id="{5113417C-812E-4E27-8943-E4436E84D50F}" type="datetime1">
               <a:rPr lang="nl-BE" smtClean="0"/>
-              <a:t>16/05/2023</a:t>
+              <a:t>5/11/2023</a:t>
             </a:fld>
             <a:endParaRPr lang="nl-BE"/>
           </a:p>
@@ -1730,7 +1730,7 @@
           <a:p>
             <a:fld id="{487910A8-72E9-433C-B59C-C665F6CEFB2E}" type="datetime1">
               <a:rPr lang="nl-BE" smtClean="0"/>
-              <a:t>16/05/2023</a:t>
+              <a:t>5/11/2023</a:t>
             </a:fld>
             <a:endParaRPr lang="nl-BE"/>
           </a:p>
@@ -2011,7 +2011,7 @@
           <a:p>
             <a:fld id="{14AAD69E-CA5C-4751-93BB-A820C0373975}" type="datetime1">
               <a:rPr lang="nl-BE" smtClean="0"/>
-              <a:t>16/05/2023</a:t>
+              <a:t>5/11/2023</a:t>
             </a:fld>
             <a:endParaRPr lang="nl-BE"/>
           </a:p>
@@ -2439,7 +2439,7 @@
           <a:p>
             <a:fld id="{C03BC932-8EF9-4F7F-8877-91DA7FC71D8F}" type="datetime1">
               <a:rPr lang="nl-BE" smtClean="0"/>
-              <a:t>16/05/2023</a:t>
+              <a:t>5/11/2023</a:t>
             </a:fld>
             <a:endParaRPr lang="nl-BE"/>
           </a:p>
@@ -2594,7 +2594,7 @@
           <a:p>
             <a:fld id="{45B4CF39-1926-41B8-8D11-2C4AC255B357}" type="datetime1">
               <a:rPr lang="nl-BE" smtClean="0"/>
-              <a:t>16/05/2023</a:t>
+              <a:t>5/11/2023</a:t>
             </a:fld>
             <a:endParaRPr lang="nl-BE"/>
           </a:p>
@@ -2720,7 +2720,7 @@
           <a:p>
             <a:fld id="{19B6AF86-9A70-4033-BABD-9B9397A53391}" type="datetime1">
               <a:rPr lang="nl-BE" smtClean="0"/>
-              <a:t>16/05/2023</a:t>
+              <a:t>5/11/2023</a:t>
             </a:fld>
             <a:endParaRPr lang="nl-BE"/>
           </a:p>
@@ -3046,7 +3046,7 @@
           <a:p>
             <a:fld id="{F855FD02-4CE9-4F02-BE49-0FE28C7B78E7}" type="datetime1">
               <a:rPr lang="nl-BE" smtClean="0"/>
-              <a:t>16/05/2023</a:t>
+              <a:t>5/11/2023</a:t>
             </a:fld>
             <a:endParaRPr lang="nl-BE"/>
           </a:p>
@@ -3352,7 +3352,7 @@
           <a:p>
             <a:fld id="{219C2956-F7E5-4CEA-8295-5F2E0D5DAAD0}" type="datetime1">
               <a:rPr lang="nl-BE" smtClean="0"/>
-              <a:t>16/05/2023</a:t>
+              <a:t>5/11/2023</a:t>
             </a:fld>
             <a:endParaRPr lang="nl-BE"/>
           </a:p>
@@ -3608,7 +3608,7 @@
           <a:p>
             <a:fld id="{27F10353-1B72-45FB-A430-667B61AD53B6}" type="datetime1">
               <a:rPr lang="nl-BE" smtClean="0"/>
-              <a:t>16/05/2023</a:t>
+              <a:t>5/11/2023</a:t>
             </a:fld>
             <a:endParaRPr lang="nl-BE"/>
           </a:p>
@@ -4524,7 +4524,7 @@
             </a:r>
             <a:r>
               <a:rPr lang="nl-BE" dirty="0"/>
-              <a:t> niet gebruiken bij klassen (later wel, zie H3)</a:t>
+              <a:t> niet gebruiken bij klassen (later wel, zie H10)</a:t>
             </a:r>
           </a:p>
         </p:txBody>
